--- a/src/assets/ng2/template.pptx
+++ b/src/assets/ng2/template.pptx
@@ -105,6 +105,22 @@
       </a:defRPr>
     </a:lvl9pPr>
   </p:defaultTextStyle>
+  <p:extLst>
+    <p:ext uri="{EFAFB233-063F-42B5-8137-9DF3F51BA10A}">
+      <p15:sldGuideLst xmlns:p15="http://schemas.microsoft.com/office/powerpoint/2012/main">
+        <p15:guide id="1" orient="horz" pos="2160">
+          <p15:clr>
+            <a:srgbClr val="A4A3A4"/>
+          </p15:clr>
+        </p15:guide>
+        <p15:guide id="2" pos="2880">
+          <p15:clr>
+            <a:srgbClr val="A4A3A4"/>
+          </p15:clr>
+        </p15:guide>
+      </p15:sldGuideLst>
+    </p:ext>
+  </p:extLst>
 </p:presentation>
 </file>
 
@@ -289,7 +305,7 @@
           <a:p>
             <a:fld id="{4CF1E29C-3B17-44D4-84F3-2AAEF85A15F6}" type="datetimeFigureOut">
               <a:rPr lang="pt-BR" smtClean="0"/>
-              <a:t>31/07/2018</a:t>
+              <a:t>19/08/2019</a:t>
             </a:fld>
             <a:endParaRPr lang="pt-BR"/>
           </a:p>
@@ -459,7 +475,7 @@
           <a:p>
             <a:fld id="{4CF1E29C-3B17-44D4-84F3-2AAEF85A15F6}" type="datetimeFigureOut">
               <a:rPr lang="pt-BR" smtClean="0"/>
-              <a:t>31/07/2018</a:t>
+              <a:t>19/08/2019</a:t>
             </a:fld>
             <a:endParaRPr lang="pt-BR"/>
           </a:p>
@@ -639,7 +655,7 @@
           <a:p>
             <a:fld id="{4CF1E29C-3B17-44D4-84F3-2AAEF85A15F6}" type="datetimeFigureOut">
               <a:rPr lang="pt-BR" smtClean="0"/>
-              <a:t>31/07/2018</a:t>
+              <a:t>19/08/2019</a:t>
             </a:fld>
             <a:endParaRPr lang="pt-BR"/>
           </a:p>
@@ -809,7 +825,7 @@
           <a:p>
             <a:fld id="{4CF1E29C-3B17-44D4-84F3-2AAEF85A15F6}" type="datetimeFigureOut">
               <a:rPr lang="pt-BR" smtClean="0"/>
-              <a:t>31/07/2018</a:t>
+              <a:t>19/08/2019</a:t>
             </a:fld>
             <a:endParaRPr lang="pt-BR"/>
           </a:p>
@@ -1055,7 +1071,7 @@
           <a:p>
             <a:fld id="{4CF1E29C-3B17-44D4-84F3-2AAEF85A15F6}" type="datetimeFigureOut">
               <a:rPr lang="pt-BR" smtClean="0"/>
-              <a:t>31/07/2018</a:t>
+              <a:t>19/08/2019</a:t>
             </a:fld>
             <a:endParaRPr lang="pt-BR"/>
           </a:p>
@@ -1343,7 +1359,7 @@
           <a:p>
             <a:fld id="{4CF1E29C-3B17-44D4-84F3-2AAEF85A15F6}" type="datetimeFigureOut">
               <a:rPr lang="pt-BR" smtClean="0"/>
-              <a:t>31/07/2018</a:t>
+              <a:t>19/08/2019</a:t>
             </a:fld>
             <a:endParaRPr lang="pt-BR"/>
           </a:p>
@@ -1765,7 +1781,7 @@
           <a:p>
             <a:fld id="{4CF1E29C-3B17-44D4-84F3-2AAEF85A15F6}" type="datetimeFigureOut">
               <a:rPr lang="pt-BR" smtClean="0"/>
-              <a:t>31/07/2018</a:t>
+              <a:t>19/08/2019</a:t>
             </a:fld>
             <a:endParaRPr lang="pt-BR"/>
           </a:p>
@@ -1883,7 +1899,7 @@
           <a:p>
             <a:fld id="{4CF1E29C-3B17-44D4-84F3-2AAEF85A15F6}" type="datetimeFigureOut">
               <a:rPr lang="pt-BR" smtClean="0"/>
-              <a:t>31/07/2018</a:t>
+              <a:t>19/08/2019</a:t>
             </a:fld>
             <a:endParaRPr lang="pt-BR"/>
           </a:p>
@@ -1978,7 +1994,7 @@
           <a:p>
             <a:fld id="{4CF1E29C-3B17-44D4-84F3-2AAEF85A15F6}" type="datetimeFigureOut">
               <a:rPr lang="pt-BR" smtClean="0"/>
-              <a:t>31/07/2018</a:t>
+              <a:t>19/08/2019</a:t>
             </a:fld>
             <a:endParaRPr lang="pt-BR"/>
           </a:p>
@@ -2255,7 +2271,7 @@
           <a:p>
             <a:fld id="{4CF1E29C-3B17-44D4-84F3-2AAEF85A15F6}" type="datetimeFigureOut">
               <a:rPr lang="pt-BR" smtClean="0"/>
-              <a:t>31/07/2018</a:t>
+              <a:t>19/08/2019</a:t>
             </a:fld>
             <a:endParaRPr lang="pt-BR"/>
           </a:p>
@@ -2508,7 +2524,7 @@
           <a:p>
             <a:fld id="{4CF1E29C-3B17-44D4-84F3-2AAEF85A15F6}" type="datetimeFigureOut">
               <a:rPr lang="pt-BR" smtClean="0"/>
-              <a:t>31/07/2018</a:t>
+              <a:t>19/08/2019</a:t>
             </a:fld>
             <a:endParaRPr lang="pt-BR"/>
           </a:p>
@@ -2730,7 +2746,7 @@
           <a:p>
             <a:fld id="{4CF1E29C-3B17-44D4-84F3-2AAEF85A15F6}" type="datetimeFigureOut">
               <a:rPr lang="pt-BR" smtClean="0"/>
-              <a:t>31/07/2018</a:t>
+              <a:t>19/08/2019</a:t>
             </a:fld>
             <a:endParaRPr lang="pt-BR"/>
           </a:p>
@@ -3159,6 +3175,13 @@
   <p:clrMapOvr>
     <a:masterClrMapping/>
   </p:clrMapOvr>
+  <p:timing>
+    <p:tnLst>
+      <p:par>
+        <p:cTn id="1" dur="indefinite" restart="never" nodeType="tmRoot"/>
+      </p:par>
+    </p:tnLst>
+  </p:timing>
 </p:sld>
 </file>
 
@@ -3235,8 +3258,15 @@
     </p:extLst>
   </p:cSld>
   <p:clrMapOvr>
-    <a:masterClrMapping/>
+    <a:overrideClrMapping bg1="lt1" tx1="dk1" bg2="lt2" tx2="dk2" accent1="accent1" accent2="accent2" accent3="accent3" accent4="accent4" accent5="accent5" accent6="accent6" hlink="hlink" folHlink="folHlink"/>
   </p:clrMapOvr>
+  <p:timing>
+    <p:tnLst>
+      <p:par>
+        <p:cTn id="1" dur="indefinite" restart="never" nodeType="tmRoot"/>
+      </p:par>
+    </p:tnLst>
+  </p:timing>
 </p:sld>
 </file>
 
@@ -3523,4 +3553,47 @@
   <a:objectDefaults/>
   <a:extraClrSchemeLst/>
 </a:theme>
+</file>
+
+<file path=ppt/theme/themeOverride1.xml><?xml version="1.0" encoding="utf-8"?>
+<a:themeOverride xmlns:a="http://schemas.openxmlformats.org/drawingml/2006/main">
+  <a:clrScheme name="Escritório">
+    <a:dk1>
+      <a:sysClr val="windowText" lastClr="000000"/>
+    </a:dk1>
+    <a:lt1>
+      <a:sysClr val="window" lastClr="FFFFFF"/>
+    </a:lt1>
+    <a:dk2>
+      <a:srgbClr val="1F497D"/>
+    </a:dk2>
+    <a:lt2>
+      <a:srgbClr val="EEECE1"/>
+    </a:lt2>
+    <a:accent1>
+      <a:srgbClr val="4F81BD"/>
+    </a:accent1>
+    <a:accent2>
+      <a:srgbClr val="C0504D"/>
+    </a:accent2>
+    <a:accent3>
+      <a:srgbClr val="9BBB59"/>
+    </a:accent3>
+    <a:accent4>
+      <a:srgbClr val="8064A2"/>
+    </a:accent4>
+    <a:accent5>
+      <a:srgbClr val="4BACC6"/>
+    </a:accent5>
+    <a:accent6>
+      <a:srgbClr val="F79646"/>
+    </a:accent6>
+    <a:hlink>
+      <a:srgbClr val="0000FF"/>
+    </a:hlink>
+    <a:folHlink>
+      <a:srgbClr val="800080"/>
+    </a:folHlink>
+  </a:clrScheme>
+</a:themeOverride>
 </file>